--- a/assets/instructions/Azure Kubernetes Service HACKATON.pptx
+++ b/assets/instructions/Azure Kubernetes Service HACKATON.pptx
@@ -124,6 +124,112 @@
 </p:presentation>
 </file>
 
+<file path=ppt/revisionInfo.xml><?xml version="1.0" encoding="utf-8"?>
+<p1510:revInfo xmlns:a="http://schemas.openxmlformats.org/drawingml/2006/main" xmlns:r="http://schemas.openxmlformats.org/officeDocument/2006/relationships" xmlns:p1510="http://schemas.microsoft.com/office/powerpoint/2015/10/main">
+  <p1510:revLst>
+    <p1510:client id="{84F136E1-400C-4EE8-81B0-D77D947578FC}" v="3" dt="2020-06-21T19:20:17.797"/>
+  </p1510:revLst>
+</p1510:revInfo>
+</file>
+
+<file path=ppt/changesInfos/changesInfo1.xml><?xml version="1.0" encoding="utf-8"?>
+<pc:chgInfo xmlns:a="http://schemas.openxmlformats.org/drawingml/2006/main" xmlns:r="http://schemas.openxmlformats.org/officeDocument/2006/relationships" xmlns:ac="http://schemas.microsoft.com/office/drawing/2013/main/command" xmlns:pc="http://schemas.microsoft.com/office/powerpoint/2013/main/command">
+  <pc:docChgLst>
+    <pc:chgData name="Saurabh Vartak" userId="215716fc-9a69-4199-9281-f7e778daa7d0" providerId="ADAL" clId="{84F136E1-400C-4EE8-81B0-D77D947578FC}"/>
+    <pc:docChg chg="modSld">
+      <pc:chgData name="Saurabh Vartak" userId="215716fc-9a69-4199-9281-f7e778daa7d0" providerId="ADAL" clId="{84F136E1-400C-4EE8-81B0-D77D947578FC}" dt="2020-06-21T20:09:51.170" v="118" actId="20577"/>
+      <pc:docMkLst>
+        <pc:docMk/>
+      </pc:docMkLst>
+      <pc:sldChg chg="modSp mod">
+        <pc:chgData name="Saurabh Vartak" userId="215716fc-9a69-4199-9281-f7e778daa7d0" providerId="ADAL" clId="{84F136E1-400C-4EE8-81B0-D77D947578FC}" dt="2020-06-21T16:49:46.354" v="0" actId="20577"/>
+        <pc:sldMkLst>
+          <pc:docMk/>
+          <pc:sldMk cId="1968075160" sldId="256"/>
+        </pc:sldMkLst>
+        <pc:spChg chg="mod">
+          <ac:chgData name="Saurabh Vartak" userId="215716fc-9a69-4199-9281-f7e778daa7d0" providerId="ADAL" clId="{84F136E1-400C-4EE8-81B0-D77D947578FC}" dt="2020-06-21T16:49:46.354" v="0" actId="20577"/>
+          <ac:spMkLst>
+            <pc:docMk/>
+            <pc:sldMk cId="1968075160" sldId="256"/>
+            <ac:spMk id="2" creationId="{FBC4242A-24E7-47D5-BAAC-F3EA09C645BE}"/>
+          </ac:spMkLst>
+        </pc:spChg>
+      </pc:sldChg>
+      <pc:sldChg chg="modSp mod">
+        <pc:chgData name="Saurabh Vartak" userId="215716fc-9a69-4199-9281-f7e778daa7d0" providerId="ADAL" clId="{84F136E1-400C-4EE8-81B0-D77D947578FC}" dt="2020-06-21T16:50:07.678" v="3" actId="20577"/>
+        <pc:sldMkLst>
+          <pc:docMk/>
+          <pc:sldMk cId="4003966488" sldId="263"/>
+        </pc:sldMkLst>
+        <pc:spChg chg="mod">
+          <ac:chgData name="Saurabh Vartak" userId="215716fc-9a69-4199-9281-f7e778daa7d0" providerId="ADAL" clId="{84F136E1-400C-4EE8-81B0-D77D947578FC}" dt="2020-06-21T16:50:07.678" v="3" actId="20577"/>
+          <ac:spMkLst>
+            <pc:docMk/>
+            <pc:sldMk cId="4003966488" sldId="263"/>
+            <ac:spMk id="5" creationId="{E62FE57A-F7AC-4D57-81D1-A6E8FE74F971}"/>
+          </ac:spMkLst>
+        </pc:spChg>
+      </pc:sldChg>
+      <pc:sldChg chg="modSp mod">
+        <pc:chgData name="Saurabh Vartak" userId="215716fc-9a69-4199-9281-f7e778daa7d0" providerId="ADAL" clId="{84F136E1-400C-4EE8-81B0-D77D947578FC}" dt="2020-06-21T20:09:51.170" v="118" actId="20577"/>
+        <pc:sldMkLst>
+          <pc:docMk/>
+          <pc:sldMk cId="2715415327" sldId="266"/>
+        </pc:sldMkLst>
+        <pc:spChg chg="mod">
+          <ac:chgData name="Saurabh Vartak" userId="215716fc-9a69-4199-9281-f7e778daa7d0" providerId="ADAL" clId="{84F136E1-400C-4EE8-81B0-D77D947578FC}" dt="2020-06-21T20:09:51.170" v="118" actId="20577"/>
+          <ac:spMkLst>
+            <pc:docMk/>
+            <pc:sldMk cId="2715415327" sldId="266"/>
+            <ac:spMk id="3" creationId="{297A0903-043B-4529-AA12-F7E2C397FCD6}"/>
+          </ac:spMkLst>
+        </pc:spChg>
+      </pc:sldChg>
+      <pc:sldChg chg="modSp mod">
+        <pc:chgData name="Saurabh Vartak" userId="215716fc-9a69-4199-9281-f7e778daa7d0" providerId="ADAL" clId="{84F136E1-400C-4EE8-81B0-D77D947578FC}" dt="2020-06-21T19:20:17.793" v="64" actId="1076"/>
+        <pc:sldMkLst>
+          <pc:docMk/>
+          <pc:sldMk cId="3482986314" sldId="267"/>
+        </pc:sldMkLst>
+        <pc:spChg chg="mod">
+          <ac:chgData name="Saurabh Vartak" userId="215716fc-9a69-4199-9281-f7e778daa7d0" providerId="ADAL" clId="{84F136E1-400C-4EE8-81B0-D77D947578FC}" dt="2020-06-21T19:19:02.052" v="21" actId="20577"/>
+          <ac:spMkLst>
+            <pc:docMk/>
+            <pc:sldMk cId="3482986314" sldId="267"/>
+            <ac:spMk id="2" creationId="{798CA08A-6510-448D-9701-9C92250CAB81}"/>
+          </ac:spMkLst>
+        </pc:spChg>
+        <pc:spChg chg="mod">
+          <ac:chgData name="Saurabh Vartak" userId="215716fc-9a69-4199-9281-f7e778daa7d0" providerId="ADAL" clId="{84F136E1-400C-4EE8-81B0-D77D947578FC}" dt="2020-06-21T19:20:03.477" v="61" actId="5793"/>
+          <ac:spMkLst>
+            <pc:docMk/>
+            <pc:sldMk cId="3482986314" sldId="267"/>
+            <ac:spMk id="3" creationId="{297A0903-043B-4529-AA12-F7E2C397FCD6}"/>
+          </ac:spMkLst>
+        </pc:spChg>
+        <pc:picChg chg="mod">
+          <ac:chgData name="Saurabh Vartak" userId="215716fc-9a69-4199-9281-f7e778daa7d0" providerId="ADAL" clId="{84F136E1-400C-4EE8-81B0-D77D947578FC}" dt="2020-06-21T19:20:17.793" v="64" actId="1076"/>
+          <ac:picMkLst>
+            <pc:docMk/>
+            <pc:sldMk cId="3482986314" sldId="267"/>
+            <ac:picMk id="8194" creationId="{0C2607DC-AD32-4894-B22D-58086558C258}"/>
+          </ac:picMkLst>
+        </pc:picChg>
+        <pc:picChg chg="mod">
+          <ac:chgData name="Saurabh Vartak" userId="215716fc-9a69-4199-9281-f7e778daa7d0" providerId="ADAL" clId="{84F136E1-400C-4EE8-81B0-D77D947578FC}" dt="2020-06-21T19:20:14.270" v="63" actId="1076"/>
+          <ac:picMkLst>
+            <pc:docMk/>
+            <pc:sldMk cId="3482986314" sldId="267"/>
+            <ac:picMk id="17410" creationId="{EF518761-9F1C-4788-A458-47FE137AA94D}"/>
+          </ac:picMkLst>
+        </pc:picChg>
+      </pc:sldChg>
+    </pc:docChg>
+  </pc:docChgLst>
+</pc:chgInfo>
+</file>
+
 <file path=ppt/slideLayouts/slideLayout1.xml><?xml version="1.0" encoding="utf-8"?>
 <p:sldLayout xmlns:a="http://schemas.openxmlformats.org/drawingml/2006/main" xmlns:r="http://schemas.openxmlformats.org/officeDocument/2006/relationships" xmlns:p="http://schemas.openxmlformats.org/presentationml/2006/main" type="title" preserve="1">
   <p:cSld name="Title Slide">
@@ -271,7 +377,7 @@
           <a:p>
             <a:fld id="{7E6B46F0-FF54-4F32-9667-9637F546185C}" type="datetimeFigureOut">
               <a:rPr lang="en-US" smtClean="0"/>
-              <a:t>20-Jun-20</a:t>
+              <a:t>6/21/2020</a:t>
             </a:fld>
             <a:endParaRPr lang="en-US"/>
           </a:p>
@@ -469,7 +575,7 @@
           <a:p>
             <a:fld id="{7E6B46F0-FF54-4F32-9667-9637F546185C}" type="datetimeFigureOut">
               <a:rPr lang="en-US" smtClean="0"/>
-              <a:t>20-Jun-20</a:t>
+              <a:t>6/21/2020</a:t>
             </a:fld>
             <a:endParaRPr lang="en-US"/>
           </a:p>
@@ -677,7 +783,7 @@
           <a:p>
             <a:fld id="{7E6B46F0-FF54-4F32-9667-9637F546185C}" type="datetimeFigureOut">
               <a:rPr lang="en-US" smtClean="0"/>
-              <a:t>20-Jun-20</a:t>
+              <a:t>6/21/2020</a:t>
             </a:fld>
             <a:endParaRPr lang="en-US"/>
           </a:p>
@@ -875,7 +981,7 @@
           <a:p>
             <a:fld id="{7E6B46F0-FF54-4F32-9667-9637F546185C}" type="datetimeFigureOut">
               <a:rPr lang="en-US" smtClean="0"/>
-              <a:t>20-Jun-20</a:t>
+              <a:t>6/21/2020</a:t>
             </a:fld>
             <a:endParaRPr lang="en-US"/>
           </a:p>
@@ -1150,7 +1256,7 @@
           <a:p>
             <a:fld id="{7E6B46F0-FF54-4F32-9667-9637F546185C}" type="datetimeFigureOut">
               <a:rPr lang="en-US" smtClean="0"/>
-              <a:t>20-Jun-20</a:t>
+              <a:t>6/21/2020</a:t>
             </a:fld>
             <a:endParaRPr lang="en-US"/>
           </a:p>
@@ -1415,7 +1521,7 @@
           <a:p>
             <a:fld id="{7E6B46F0-FF54-4F32-9667-9637F546185C}" type="datetimeFigureOut">
               <a:rPr lang="en-US" smtClean="0"/>
-              <a:t>20-Jun-20</a:t>
+              <a:t>6/21/2020</a:t>
             </a:fld>
             <a:endParaRPr lang="en-US"/>
           </a:p>
@@ -1827,7 +1933,7 @@
           <a:p>
             <a:fld id="{7E6B46F0-FF54-4F32-9667-9637F546185C}" type="datetimeFigureOut">
               <a:rPr lang="en-US" smtClean="0"/>
-              <a:t>20-Jun-20</a:t>
+              <a:t>6/21/2020</a:t>
             </a:fld>
             <a:endParaRPr lang="en-US"/>
           </a:p>
@@ -1968,7 +2074,7 @@
           <a:p>
             <a:fld id="{7E6B46F0-FF54-4F32-9667-9637F546185C}" type="datetimeFigureOut">
               <a:rPr lang="en-US" smtClean="0"/>
-              <a:t>20-Jun-20</a:t>
+              <a:t>6/21/2020</a:t>
             </a:fld>
             <a:endParaRPr lang="en-US"/>
           </a:p>
@@ -2081,7 +2187,7 @@
           <a:p>
             <a:fld id="{7E6B46F0-FF54-4F32-9667-9637F546185C}" type="datetimeFigureOut">
               <a:rPr lang="en-US" smtClean="0"/>
-              <a:t>20-Jun-20</a:t>
+              <a:t>6/21/2020</a:t>
             </a:fld>
             <a:endParaRPr lang="en-US"/>
           </a:p>
@@ -2392,7 +2498,7 @@
           <a:p>
             <a:fld id="{7E6B46F0-FF54-4F32-9667-9637F546185C}" type="datetimeFigureOut">
               <a:rPr lang="en-US" smtClean="0"/>
-              <a:t>20-Jun-20</a:t>
+              <a:t>6/21/2020</a:t>
             </a:fld>
             <a:endParaRPr lang="en-US"/>
           </a:p>
@@ -2680,7 +2786,7 @@
           <a:p>
             <a:fld id="{7E6B46F0-FF54-4F32-9667-9637F546185C}" type="datetimeFigureOut">
               <a:rPr lang="en-US" smtClean="0"/>
-              <a:t>20-Jun-20</a:t>
+              <a:t>6/21/2020</a:t>
             </a:fld>
             <a:endParaRPr lang="en-US"/>
           </a:p>
@@ -2921,7 +3027,7 @@
           <a:p>
             <a:fld id="{7E6B46F0-FF54-4F32-9667-9637F546185C}" type="datetimeFigureOut">
               <a:rPr lang="en-US" smtClean="0"/>
-              <a:t>20-Jun-20</a:t>
+              <a:t>6/21/2020</a:t>
             </a:fld>
             <a:endParaRPr lang="en-US"/>
           </a:p>
@@ -3361,7 +3467,7 @@
           <a:p>
             <a:r>
               <a:rPr lang="en-US" dirty="0"/>
-              <a:t>Azure Kubernetes Service HACKATON</a:t>
+              <a:t>Azure Kubernetes Service HACKATHON</a:t>
             </a:r>
           </a:p>
         </p:txBody>
@@ -3423,7 +3529,7 @@
                   <a:schemeClr val="accent6"/>
                 </a:solidFill>
               </a:rPr>
-              <a:t>Helm Deploy + Bonus</a:t>
+              <a:t>App Gateway + Helm Deploy (Bonus)</a:t>
             </a:r>
           </a:p>
         </p:txBody>
@@ -3453,19 +3559,7 @@
           <a:p>
             <a:r>
               <a:rPr lang="en-US" dirty="0"/>
-              <a:t>Install helm 3.x</a:t>
-            </a:r>
-          </a:p>
-          <a:p>
-            <a:r>
-              <a:rPr lang="en-US" dirty="0"/>
-              <a:t>Create helm chart for these services</a:t>
-            </a:r>
-          </a:p>
-          <a:p>
-            <a:r>
-              <a:rPr lang="en-US" dirty="0"/>
-              <a:t>Deploy helm chart with CLI</a:t>
+              <a:t>Deploy behind App Gateway</a:t>
             </a:r>
           </a:p>
           <a:p>
@@ -3473,20 +3567,35 @@
               <a:buNone/>
             </a:pPr>
             <a:r>
-              <a:rPr lang="en-US" sz="4000" dirty="0"/>
-              <a:t>                  +</a:t>
-            </a:r>
+              <a:rPr lang="en-US" sz="2800" dirty="0"/>
+              <a:t>			+</a:t>
+            </a:r>
+          </a:p>
+          <a:p>
+            <a:endParaRPr lang="en-US" dirty="0"/>
           </a:p>
           <a:p>
             <a:r>
               <a:rPr lang="en-US" dirty="0"/>
-              <a:t>Deploy behind App gateway</a:t>
-            </a:r>
-          </a:p>
-          <a:p>
-            <a:endParaRPr lang="en-US" dirty="0"/>
-          </a:p>
-          <a:p>
+              <a:t>Install helm 3.x</a:t>
+            </a:r>
+          </a:p>
+          <a:p>
+            <a:r>
+              <a:rPr lang="en-US" dirty="0"/>
+              <a:t>Create helm chart for these services</a:t>
+            </a:r>
+          </a:p>
+          <a:p>
+            <a:r>
+              <a:rPr lang="en-US" dirty="0"/>
+              <a:t>Deploy helm chart with CLI</a:t>
+            </a:r>
+          </a:p>
+          <a:p>
+            <a:pPr marL="0" indent="0">
+              <a:buNone/>
+            </a:pPr>
             <a:endParaRPr lang="en-US" dirty="0"/>
           </a:p>
           <a:p>
@@ -3596,7 +3705,7 @@
         </p:blipFill>
         <p:spPr bwMode="auto">
           <a:xfrm>
-            <a:off x="9295891" y="1499483"/>
+            <a:off x="9110159" y="3429000"/>
             <a:ext cx="1725969" cy="1725969"/>
           </a:xfrm>
           <a:prstGeom prst="rect">
@@ -3643,7 +3752,7 @@
         </p:blipFill>
         <p:spPr bwMode="auto">
           <a:xfrm>
-            <a:off x="9624035" y="3645260"/>
+            <a:off x="9370035" y="1825625"/>
             <a:ext cx="1206218" cy="1206218"/>
           </a:xfrm>
           <a:prstGeom prst="rect">
@@ -6611,7 +6720,7 @@
         <p:spPr>
           <a:xfrm>
             <a:off x="8497837" y="3504113"/>
-            <a:ext cx="3393621" cy="646331"/>
+            <a:ext cx="3553922" cy="646331"/>
           </a:xfrm>
           <a:prstGeom prst="rect">
             <a:avLst/>
@@ -6626,7 +6735,7 @@
           <a:p>
             <a:r>
               <a:rPr lang="en-US" sz="3600" dirty="0"/>
-              <a:t>WORK AS TEAMS</a:t>
+              <a:t>WORK AS A TEAM</a:t>
             </a:r>
           </a:p>
         </p:txBody>
@@ -9504,7 +9613,7 @@
           <a:p>
             <a:r>
               <a:rPr lang="en-US" dirty="0"/>
-              <a:t>Create Application Insight Instance</a:t>
+              <a:t>Create Application Insights Instance</a:t>
             </a:r>
           </a:p>
           <a:p>
@@ -9516,7 +9625,7 @@
           <a:p>
             <a:r>
               <a:rPr lang="en-US" dirty="0"/>
-              <a:t>Ensure connection-string of </a:t>
+              <a:t>Ensure that the credentials of </a:t>
             </a:r>
             <a:r>
               <a:rPr lang="en-US" dirty="0" err="1"/>
@@ -9524,7 +9633,7 @@
             </a:r>
             <a:r>
               <a:rPr lang="en-US" dirty="0"/>
-              <a:t> &amp; Application </a:t>
+              <a:t> &amp; the Application </a:t>
             </a:r>
           </a:p>
           <a:p>
@@ -9532,8 +9641,20 @@
               <a:buNone/>
             </a:pPr>
             <a:r>
+              <a:rPr lang="en-US"/>
+              <a:t>   Insights </a:t>
+            </a:r>
+            <a:r>
               <a:rPr lang="en-US" dirty="0"/>
-              <a:t>   Insight Instrumentation Key is stored as AKS Secrets</a:t>
+              <a:t>Instrumentation </a:t>
+            </a:r>
+            <a:r>
+              <a:rPr lang="en-US"/>
+              <a:t>Key are </a:t>
+            </a:r>
+            <a:r>
+              <a:rPr lang="en-US" dirty="0"/>
+              <a:t>stored as AKS Secrets</a:t>
             </a:r>
           </a:p>
           <a:p>
